--- a/assets/flags.pptx
+++ b/assets/flags.pptx
@@ -261,7 +261,7 @@
           <a:p>
             <a:fld id="{5456B62E-251D-4E9C-B0EA-3D4456EEBAE9}" type="datetimeFigureOut">
               <a:rPr lang="en-GB" smtClean="0"/>
-              <a:t>09/06/2022</a:t>
+              <a:t>20/06/2022</a:t>
             </a:fld>
             <a:endParaRPr lang="en-GB"/>
           </a:p>
@@ -461,7 +461,7 @@
           <a:p>
             <a:fld id="{5456B62E-251D-4E9C-B0EA-3D4456EEBAE9}" type="datetimeFigureOut">
               <a:rPr lang="en-GB" smtClean="0"/>
-              <a:t>09/06/2022</a:t>
+              <a:t>20/06/2022</a:t>
             </a:fld>
             <a:endParaRPr lang="en-GB"/>
           </a:p>
@@ -671,7 +671,7 @@
           <a:p>
             <a:fld id="{5456B62E-251D-4E9C-B0EA-3D4456EEBAE9}" type="datetimeFigureOut">
               <a:rPr lang="en-GB" smtClean="0"/>
-              <a:t>09/06/2022</a:t>
+              <a:t>20/06/2022</a:t>
             </a:fld>
             <a:endParaRPr lang="en-GB"/>
           </a:p>
@@ -871,7 +871,7 @@
           <a:p>
             <a:fld id="{5456B62E-251D-4E9C-B0EA-3D4456EEBAE9}" type="datetimeFigureOut">
               <a:rPr lang="en-GB" smtClean="0"/>
-              <a:t>09/06/2022</a:t>
+              <a:t>20/06/2022</a:t>
             </a:fld>
             <a:endParaRPr lang="en-GB"/>
           </a:p>
@@ -1147,7 +1147,7 @@
           <a:p>
             <a:fld id="{5456B62E-251D-4E9C-B0EA-3D4456EEBAE9}" type="datetimeFigureOut">
               <a:rPr lang="en-GB" smtClean="0"/>
-              <a:t>09/06/2022</a:t>
+              <a:t>20/06/2022</a:t>
             </a:fld>
             <a:endParaRPr lang="en-GB"/>
           </a:p>
@@ -1415,7 +1415,7 @@
           <a:p>
             <a:fld id="{5456B62E-251D-4E9C-B0EA-3D4456EEBAE9}" type="datetimeFigureOut">
               <a:rPr lang="en-GB" smtClean="0"/>
-              <a:t>09/06/2022</a:t>
+              <a:t>20/06/2022</a:t>
             </a:fld>
             <a:endParaRPr lang="en-GB"/>
           </a:p>
@@ -1830,7 +1830,7 @@
           <a:p>
             <a:fld id="{5456B62E-251D-4E9C-B0EA-3D4456EEBAE9}" type="datetimeFigureOut">
               <a:rPr lang="en-GB" smtClean="0"/>
-              <a:t>09/06/2022</a:t>
+              <a:t>20/06/2022</a:t>
             </a:fld>
             <a:endParaRPr lang="en-GB"/>
           </a:p>
@@ -1972,7 +1972,7 @@
           <a:p>
             <a:fld id="{5456B62E-251D-4E9C-B0EA-3D4456EEBAE9}" type="datetimeFigureOut">
               <a:rPr lang="en-GB" smtClean="0"/>
-              <a:t>09/06/2022</a:t>
+              <a:t>20/06/2022</a:t>
             </a:fld>
             <a:endParaRPr lang="en-GB"/>
           </a:p>
@@ -2085,7 +2085,7 @@
           <a:p>
             <a:fld id="{5456B62E-251D-4E9C-B0EA-3D4456EEBAE9}" type="datetimeFigureOut">
               <a:rPr lang="en-GB" smtClean="0"/>
-              <a:t>09/06/2022</a:t>
+              <a:t>20/06/2022</a:t>
             </a:fld>
             <a:endParaRPr lang="en-GB"/>
           </a:p>
@@ -2398,7 +2398,7 @@
           <a:p>
             <a:fld id="{5456B62E-251D-4E9C-B0EA-3D4456EEBAE9}" type="datetimeFigureOut">
               <a:rPr lang="en-GB" smtClean="0"/>
-              <a:t>09/06/2022</a:t>
+              <a:t>20/06/2022</a:t>
             </a:fld>
             <a:endParaRPr lang="en-GB"/>
           </a:p>
@@ -2687,7 +2687,7 @@
           <a:p>
             <a:fld id="{5456B62E-251D-4E9C-B0EA-3D4456EEBAE9}" type="datetimeFigureOut">
               <a:rPr lang="en-GB" smtClean="0"/>
-              <a:t>09/06/2022</a:t>
+              <a:t>20/06/2022</a:t>
             </a:fld>
             <a:endParaRPr lang="en-GB"/>
           </a:p>
@@ -2930,7 +2930,7 @@
           <a:p>
             <a:fld id="{5456B62E-251D-4E9C-B0EA-3D4456EEBAE9}" type="datetimeFigureOut">
               <a:rPr lang="en-GB" smtClean="0"/>
-              <a:t>09/06/2022</a:t>
+              <a:t>20/06/2022</a:t>
             </a:fld>
             <a:endParaRPr lang="en-GB"/>
           </a:p>
@@ -3505,8 +3505,8 @@
         </p:nvSpPr>
         <p:spPr>
           <a:xfrm>
-            <a:off x="4246080" y="4134120"/>
-            <a:ext cx="1273500" cy="400110"/>
+            <a:off x="4246079" y="4134118"/>
+            <a:ext cx="1273500" cy="415498"/>
           </a:xfrm>
           <a:prstGeom prst="rect">
             <a:avLst/>
@@ -3514,17 +3514,17 @@
           <a:noFill/>
         </p:spPr>
         <p:txBody>
-          <a:bodyPr wrap="square" lIns="36000" rIns="36000" rtlCol="0">
+          <a:bodyPr wrap="square" lIns="0" rIns="0" rtlCol="0">
             <a:spAutoFit/>
           </a:bodyPr>
           <a:lstStyle/>
           <a:p>
             <a:pPr algn="ctr"/>
             <a:r>
-              <a:rPr lang="ru-RU" sz="2000" dirty="0"/>
+              <a:rPr lang="ru-RU" sz="2100" dirty="0"/>
               <a:t>РУССКИЙ</a:t>
             </a:r>
-            <a:endParaRPr lang="en-GB" sz="2000" dirty="0"/>
+            <a:endParaRPr lang="en-GB" sz="2100" dirty="0"/>
           </a:p>
         </p:txBody>
       </p:sp>
